--- a/lecture_materials/lecture3/class_materials/Lecture3.pptx
+++ b/lecture_materials/lecture3/class_materials/Lecture3.pptx
@@ -3193,7 +3193,7 @@
           <a:p>
             <a:fld id="{48D94E7F-E57E-DF41-A6D9-25A2B9FB1FED}" type="datetimeFigureOut">
               <a:rPr lang="en-US" smtClean="0"/>
-              <a:t>8/30/22</a:t>
+              <a:t>9/18/22</a:t>
             </a:fld>
             <a:endParaRPr lang="en-US"/>
           </a:p>
@@ -3890,7 +3890,7 @@
           <a:p>
             <a:fld id="{48D94E7F-E57E-DF41-A6D9-25A2B9FB1FED}" type="datetimeFigureOut">
               <a:rPr lang="en-US" smtClean="0"/>
-              <a:t>8/30/22</a:t>
+              <a:t>9/18/22</a:t>
             </a:fld>
             <a:endParaRPr lang="en-US"/>
           </a:p>
@@ -4155,7 +4155,7 @@
           <a:p>
             <a:fld id="{48D94E7F-E57E-DF41-A6D9-25A2B9FB1FED}" type="datetimeFigureOut">
               <a:rPr lang="en-US" smtClean="0"/>
-              <a:t>8/30/22</a:t>
+              <a:t>9/18/22</a:t>
             </a:fld>
             <a:endParaRPr lang="en-US"/>
           </a:p>
@@ -4296,7 +4296,7 @@
           <a:p>
             <a:fld id="{48D94E7F-E57E-DF41-A6D9-25A2B9FB1FED}" type="datetimeFigureOut">
               <a:rPr lang="en-US" smtClean="0"/>
-              <a:t>8/30/22</a:t>
+              <a:t>9/18/22</a:t>
             </a:fld>
             <a:endParaRPr lang="en-US"/>
           </a:p>
@@ -4409,7 +4409,7 @@
           <a:p>
             <a:fld id="{48D94E7F-E57E-DF41-A6D9-25A2B9FB1FED}" type="datetimeFigureOut">
               <a:rPr lang="en-US" smtClean="0"/>
-              <a:t>8/30/22</a:t>
+              <a:t>9/18/22</a:t>
             </a:fld>
             <a:endParaRPr lang="en-US"/>
           </a:p>
@@ -4720,7 +4720,7 @@
           <a:p>
             <a:fld id="{48D94E7F-E57E-DF41-A6D9-25A2B9FB1FED}" type="datetimeFigureOut">
               <a:rPr lang="en-US" smtClean="0"/>
-              <a:t>8/30/22</a:t>
+              <a:t>9/18/22</a:t>
             </a:fld>
             <a:endParaRPr lang="en-US"/>
           </a:p>
@@ -5011,7 +5011,7 @@
           <a:p>
             <a:fld id="{48D94E7F-E57E-DF41-A6D9-25A2B9FB1FED}" type="datetimeFigureOut">
               <a:rPr lang="en-US" smtClean="0"/>
-              <a:t>8/30/22</a:t>
+              <a:t>9/18/22</a:t>
             </a:fld>
             <a:endParaRPr lang="en-US"/>
           </a:p>
@@ -5209,7 +5209,7 @@
           <a:p>
             <a:fld id="{48D94E7F-E57E-DF41-A6D9-25A2B9FB1FED}" type="datetimeFigureOut">
               <a:rPr lang="en-US" smtClean="0"/>
-              <a:t>8/30/22</a:t>
+              <a:t>9/18/22</a:t>
             </a:fld>
             <a:endParaRPr lang="en-US"/>
           </a:p>
@@ -5417,7 +5417,7 @@
           <a:p>
             <a:fld id="{48D94E7F-E57E-DF41-A6D9-25A2B9FB1FED}" type="datetimeFigureOut">
               <a:rPr lang="en-US" smtClean="0"/>
-              <a:t>8/30/22</a:t>
+              <a:t>9/18/22</a:t>
             </a:fld>
             <a:endParaRPr lang="en-US"/>
           </a:p>
@@ -5657,7 +5657,7 @@
           <a:p>
             <a:fld id="{48D94E7F-E57E-DF41-A6D9-25A2B9FB1FED}" type="datetimeFigureOut">
               <a:rPr lang="en-US" smtClean="0"/>
-              <a:t>8/30/22</a:t>
+              <a:t>9/18/22</a:t>
             </a:fld>
             <a:endParaRPr lang="en-US"/>
           </a:p>
@@ -5888,7 +5888,7 @@
           <a:p>
             <a:fld id="{48D94E7F-E57E-DF41-A6D9-25A2B9FB1FED}" type="datetimeFigureOut">
               <a:rPr lang="en-US" smtClean="0"/>
-              <a:t>8/30/22</a:t>
+              <a:t>9/18/22</a:t>
             </a:fld>
             <a:endParaRPr lang="en-US"/>
           </a:p>
@@ -6208,7 +6208,7 @@
           <a:p>
             <a:fld id="{48D94E7F-E57E-DF41-A6D9-25A2B9FB1FED}" type="datetimeFigureOut">
               <a:rPr lang="en-US" smtClean="0"/>
-              <a:t>8/30/22</a:t>
+              <a:t>9/18/22</a:t>
             </a:fld>
             <a:endParaRPr lang="en-US"/>
           </a:p>
@@ -6671,7 +6671,7 @@
           <a:p>
             <a:fld id="{48D94E7F-E57E-DF41-A6D9-25A2B9FB1FED}" type="datetimeFigureOut">
               <a:rPr lang="en-US" smtClean="0"/>
-              <a:t>8/30/22</a:t>
+              <a:t>9/18/22</a:t>
             </a:fld>
             <a:endParaRPr lang="en-US"/>
           </a:p>
@@ -6938,7 +6938,7 @@
           <a:p>
             <a:fld id="{48D94E7F-E57E-DF41-A6D9-25A2B9FB1FED}" type="datetimeFigureOut">
               <a:rPr lang="en-US" smtClean="0"/>
-              <a:t>8/30/22</a:t>
+              <a:t>9/18/22</a:t>
             </a:fld>
             <a:endParaRPr lang="en-US"/>
           </a:p>
@@ -8067,7 +8067,7 @@
           <a:p>
             <a:fld id="{48D94E7F-E57E-DF41-A6D9-25A2B9FB1FED}" type="datetimeFigureOut">
               <a:rPr lang="en-US" smtClean="0"/>
-              <a:t>8/30/22</a:t>
+              <a:t>9/18/22</a:t>
             </a:fld>
             <a:endParaRPr lang="en-US"/>
           </a:p>
@@ -13666,7 +13666,7 @@
           <a:p>
             <a:r>
               <a:rPr lang="en-US" dirty="0"/>
-              <a:t>Cell arrays</a:t>
+              <a:t>Simple input/output</a:t>
             </a:r>
           </a:p>
         </p:txBody>
@@ -24819,7 +24819,7 @@
             </a:r>
             <a:r>
               <a:rPr lang="en-US" b="1" dirty="0"/>
-              <a:t>&gt;.</a:t>
+              <a:t>&gt;. *Do not name it after zipping*</a:t>
             </a:r>
             <a:endParaRPr lang="en-US" dirty="0"/>
           </a:p>
@@ -24972,6 +24972,26 @@
             <a:pPr lvl="2"/>
             <a:r>
               <a:rPr lang="en-US" sz="2000" dirty="0"/>
+              <a:t>Rename as </a:t>
+            </a:r>
+            <a:r>
+              <a:rPr lang="en-US" sz="2000" b="1" dirty="0"/>
+              <a:t>HW#_&lt;</a:t>
+            </a:r>
+            <a:r>
+              <a:rPr lang="en-US" sz="2000" b="1" dirty="0" err="1"/>
+              <a:t>studentID</a:t>
+            </a:r>
+            <a:r>
+              <a:rPr lang="en-US" sz="2000" b="1" dirty="0"/>
+              <a:t>&gt;</a:t>
+            </a:r>
+            <a:endParaRPr lang="en-US" sz="2000" dirty="0"/>
+          </a:p>
+          <a:p>
+            <a:pPr lvl="2"/>
+            <a:r>
+              <a:rPr lang="en-US" sz="2000" dirty="0"/>
               <a:t>Right click on folder </a:t>
             </a:r>
           </a:p>
@@ -24990,7 +25010,7 @@
             <a:pPr lvl="2"/>
             <a:r>
               <a:rPr lang="en-US" sz="2000" dirty="0"/>
-              <a:t>Rename as </a:t>
+              <a:t>Submit the .zip file as </a:t>
             </a:r>
             <a:r>
               <a:rPr lang="en-US" sz="2000" b="1" dirty="0"/>
@@ -25008,13 +25028,6 @@
           </a:p>
           <a:p>
             <a:pPr lvl="2"/>
-            <a:r>
-              <a:rPr lang="en-US" sz="2000" dirty="0"/>
-              <a:t>Submit the .zip file</a:t>
-            </a:r>
-          </a:p>
-          <a:p>
-            <a:pPr lvl="2"/>
             <a:endParaRPr lang="en-US" sz="2000" dirty="0"/>
           </a:p>
           <a:p>
@@ -25035,6 +25048,26 @@
             <a:pPr lvl="2"/>
             <a:r>
               <a:rPr lang="en-US" sz="2000" dirty="0"/>
+              <a:t>Rename as </a:t>
+            </a:r>
+            <a:r>
+              <a:rPr lang="en-US" sz="2000" b="1" dirty="0"/>
+              <a:t>HW#_&lt;</a:t>
+            </a:r>
+            <a:r>
+              <a:rPr lang="en-US" sz="2000" b="1" dirty="0" err="1"/>
+              <a:t>studentID</a:t>
+            </a:r>
+            <a:r>
+              <a:rPr lang="en-US" sz="2000" b="1" dirty="0"/>
+              <a:t>&gt;.zip</a:t>
+            </a:r>
+            <a:endParaRPr lang="en-US" sz="2000" dirty="0"/>
+          </a:p>
+          <a:p>
+            <a:pPr lvl="2"/>
+            <a:r>
+              <a:rPr lang="en-US" sz="2000" dirty="0"/>
               <a:t>Right click on folder</a:t>
             </a:r>
           </a:p>
@@ -25065,7 +25098,7 @@
             <a:pPr lvl="2"/>
             <a:r>
               <a:rPr lang="en-US" sz="2000" dirty="0"/>
-              <a:t>Rename as </a:t>
+              <a:t>Submit the .zip file as </a:t>
             </a:r>
             <a:r>
               <a:rPr lang="en-US" sz="2000" b="1" dirty="0"/>
@@ -25078,14 +25111,6 @@
             <a:r>
               <a:rPr lang="en-US" sz="2000" b="1" dirty="0"/>
               <a:t>&gt;.zip</a:t>
-            </a:r>
-            <a:endParaRPr lang="en-US" sz="2000" dirty="0"/>
-          </a:p>
-          <a:p>
-            <a:pPr lvl="2"/>
-            <a:r>
-              <a:rPr lang="en-US" sz="2000" dirty="0"/>
-              <a:t>Submit the .zip file</a:t>
             </a:r>
             <a:br>
               <a:rPr lang="en-US" sz="2000" dirty="0"/>
